--- a/ppt 16-9/0795.属灵的道路.pptx
+++ b/ppt 16-9/0795.属灵的道路.pptx
@@ -5,7 +5,7 @@
     <p:sldMasterId id="2147483648" r:id="rId1"/>
   </p:sldMasterIdLst>
   <p:sldIdLst>
-    <p:sldId id="2063" r:id="rId2"/>
+    <p:sldId id="2065" r:id="rId2"/>
   </p:sldIdLst>
   <p:sldSz cx="12192000" cy="6858000"/>
   <p:notesSz cx="6858000" cy="9144000"/>
@@ -129,7 +129,7 @@
           <p:cNvPr id="2" name="标题 1">
             <a:extLst>
               <a:ext uri="{FF2B5EF4-FFF2-40B4-BE49-F238E27FC236}">
-                <a16:creationId xmlns:a16="http://schemas.microsoft.com/office/drawing/2014/main" id="{DE5DE4C0-C4A5-D80C-15AC-6F98E5577986}"/>
+                <a16:creationId xmlns:a16="http://schemas.microsoft.com/office/drawing/2014/main" id="{BEBBC12D-AB62-46C4-609E-D2FD9C6DE5E2}"/>
               </a:ext>
             </a:extLst>
           </p:cNvPr>
@@ -166,7 +166,7 @@
           <p:cNvPr id="3" name="副标题 2">
             <a:extLst>
               <a:ext uri="{FF2B5EF4-FFF2-40B4-BE49-F238E27FC236}">
-                <a16:creationId xmlns:a16="http://schemas.microsoft.com/office/drawing/2014/main" id="{B697A06D-C025-5B1B-D664-93E17B4C5125}"/>
+                <a16:creationId xmlns:a16="http://schemas.microsoft.com/office/drawing/2014/main" id="{7BA19A5D-0A59-1089-68FF-B0CD06A93737}"/>
               </a:ext>
             </a:extLst>
           </p:cNvPr>
@@ -236,7 +236,7 @@
           <p:cNvPr id="4" name="日期占位符 3">
             <a:extLst>
               <a:ext uri="{FF2B5EF4-FFF2-40B4-BE49-F238E27FC236}">
-                <a16:creationId xmlns:a16="http://schemas.microsoft.com/office/drawing/2014/main" id="{0408A721-A05B-EFD0-6AB0-70FD974BEE6F}"/>
+                <a16:creationId xmlns:a16="http://schemas.microsoft.com/office/drawing/2014/main" id="{7C00688C-660F-24EA-EB34-FC684A30054F}"/>
               </a:ext>
             </a:extLst>
           </p:cNvPr>
@@ -252,7 +252,7 @@
           <a:bodyPr/>
           <a:lstStyle/>
           <a:p>
-            <a:fld id="{5574E771-F5E9-44A1-BA10-5D46E8416EDE}" type="datetimeFigureOut">
+            <a:fld id="{C06F3775-B314-4E23-AEA2-2275C3A83E4C}" type="datetimeFigureOut">
               <a:rPr lang="zh-CN" altLang="en-US" smtClean="0"/>
               <a:t>2024/3/10</a:t>
             </a:fld>
@@ -265,7 +265,7 @@
           <p:cNvPr id="5" name="页脚占位符 4">
             <a:extLst>
               <a:ext uri="{FF2B5EF4-FFF2-40B4-BE49-F238E27FC236}">
-                <a16:creationId xmlns:a16="http://schemas.microsoft.com/office/drawing/2014/main" id="{154D604F-76E9-E3E5-CBA1-EF4DBA5898C2}"/>
+                <a16:creationId xmlns:a16="http://schemas.microsoft.com/office/drawing/2014/main" id="{FD6BD826-35B1-7695-A0E8-C0A045D51203}"/>
               </a:ext>
             </a:extLst>
           </p:cNvPr>
@@ -290,7 +290,7 @@
           <p:cNvPr id="6" name="灯片编号占位符 5">
             <a:extLst>
               <a:ext uri="{FF2B5EF4-FFF2-40B4-BE49-F238E27FC236}">
-                <a16:creationId xmlns:a16="http://schemas.microsoft.com/office/drawing/2014/main" id="{0694BD58-C3B6-96FD-2A6E-E18C82677E93}"/>
+                <a16:creationId xmlns:a16="http://schemas.microsoft.com/office/drawing/2014/main" id="{C302C908-594B-4C8F-CAB2-9ED044386501}"/>
               </a:ext>
             </a:extLst>
           </p:cNvPr>
@@ -306,7 +306,7 @@
           <a:bodyPr/>
           <a:lstStyle/>
           <a:p>
-            <a:fld id="{91070122-1CDF-413A-91E0-758FE5E4A1F3}" type="slidenum">
+            <a:fld id="{DD6471C8-4BCF-4A81-932F-3CDE449488C6}" type="slidenum">
               <a:rPr lang="zh-CN" altLang="en-US" smtClean="0"/>
               <a:t>‹#›</a:t>
             </a:fld>
@@ -317,7 +317,7 @@
     </p:spTree>
     <p:extLst>
       <p:ext uri="{BB962C8B-B14F-4D97-AF65-F5344CB8AC3E}">
-        <p14:creationId xmlns:p14="http://schemas.microsoft.com/office/powerpoint/2010/main" val="258792663"/>
+        <p14:creationId xmlns:p14="http://schemas.microsoft.com/office/powerpoint/2010/main" val="2402149870"/>
       </p:ext>
     </p:extLst>
   </p:cSld>
@@ -349,7 +349,7 @@
           <p:cNvPr id="2" name="标题 1">
             <a:extLst>
               <a:ext uri="{FF2B5EF4-FFF2-40B4-BE49-F238E27FC236}">
-                <a16:creationId xmlns:a16="http://schemas.microsoft.com/office/drawing/2014/main" id="{30974216-7AD0-9692-6BB8-AF4168F5A294}"/>
+                <a16:creationId xmlns:a16="http://schemas.microsoft.com/office/drawing/2014/main" id="{5AE65BEC-3F5F-1E8D-C556-E8568127BE51}"/>
               </a:ext>
             </a:extLst>
           </p:cNvPr>
@@ -377,7 +377,7 @@
           <p:cNvPr id="3" name="竖排文字占位符 2">
             <a:extLst>
               <a:ext uri="{FF2B5EF4-FFF2-40B4-BE49-F238E27FC236}">
-                <a16:creationId xmlns:a16="http://schemas.microsoft.com/office/drawing/2014/main" id="{C6A6272B-26B5-A3D6-A76A-75C090090536}"/>
+                <a16:creationId xmlns:a16="http://schemas.microsoft.com/office/drawing/2014/main" id="{609D2730-7227-41CC-2400-3FBBCE28F942}"/>
               </a:ext>
             </a:extLst>
           </p:cNvPr>
@@ -434,7 +434,7 @@
           <p:cNvPr id="4" name="日期占位符 3">
             <a:extLst>
               <a:ext uri="{FF2B5EF4-FFF2-40B4-BE49-F238E27FC236}">
-                <a16:creationId xmlns:a16="http://schemas.microsoft.com/office/drawing/2014/main" id="{C7F787EE-24C2-3FF9-4D73-640483404BB1}"/>
+                <a16:creationId xmlns:a16="http://schemas.microsoft.com/office/drawing/2014/main" id="{260E2F3D-B79F-37BA-8B8C-4DB25ECCA65F}"/>
               </a:ext>
             </a:extLst>
           </p:cNvPr>
@@ -450,7 +450,7 @@
           <a:bodyPr/>
           <a:lstStyle/>
           <a:p>
-            <a:fld id="{5574E771-F5E9-44A1-BA10-5D46E8416EDE}" type="datetimeFigureOut">
+            <a:fld id="{C06F3775-B314-4E23-AEA2-2275C3A83E4C}" type="datetimeFigureOut">
               <a:rPr lang="zh-CN" altLang="en-US" smtClean="0"/>
               <a:t>2024/3/10</a:t>
             </a:fld>
@@ -463,7 +463,7 @@
           <p:cNvPr id="5" name="页脚占位符 4">
             <a:extLst>
               <a:ext uri="{FF2B5EF4-FFF2-40B4-BE49-F238E27FC236}">
-                <a16:creationId xmlns:a16="http://schemas.microsoft.com/office/drawing/2014/main" id="{B3D9BBAD-F4C3-BDBE-6CBE-BDB85255F3D8}"/>
+                <a16:creationId xmlns:a16="http://schemas.microsoft.com/office/drawing/2014/main" id="{D3A0CA5A-63B5-711B-7C2A-5BA9614898C1}"/>
               </a:ext>
             </a:extLst>
           </p:cNvPr>
@@ -488,7 +488,7 @@
           <p:cNvPr id="6" name="灯片编号占位符 5">
             <a:extLst>
               <a:ext uri="{FF2B5EF4-FFF2-40B4-BE49-F238E27FC236}">
-                <a16:creationId xmlns:a16="http://schemas.microsoft.com/office/drawing/2014/main" id="{C91DCDC2-ACFB-09C8-329D-0371B020331F}"/>
+                <a16:creationId xmlns:a16="http://schemas.microsoft.com/office/drawing/2014/main" id="{3CF18E17-982D-58A6-7197-9769AB8CF206}"/>
               </a:ext>
             </a:extLst>
           </p:cNvPr>
@@ -504,7 +504,7 @@
           <a:bodyPr/>
           <a:lstStyle/>
           <a:p>
-            <a:fld id="{91070122-1CDF-413A-91E0-758FE5E4A1F3}" type="slidenum">
+            <a:fld id="{DD6471C8-4BCF-4A81-932F-3CDE449488C6}" type="slidenum">
               <a:rPr lang="zh-CN" altLang="en-US" smtClean="0"/>
               <a:t>‹#›</a:t>
             </a:fld>
@@ -515,7 +515,7 @@
     </p:spTree>
     <p:extLst>
       <p:ext uri="{BB962C8B-B14F-4D97-AF65-F5344CB8AC3E}">
-        <p14:creationId xmlns:p14="http://schemas.microsoft.com/office/powerpoint/2010/main" val="952533378"/>
+        <p14:creationId xmlns:p14="http://schemas.microsoft.com/office/powerpoint/2010/main" val="1321382530"/>
       </p:ext>
     </p:extLst>
   </p:cSld>
@@ -547,7 +547,7 @@
           <p:cNvPr id="2" name="竖排标题 1">
             <a:extLst>
               <a:ext uri="{FF2B5EF4-FFF2-40B4-BE49-F238E27FC236}">
-                <a16:creationId xmlns:a16="http://schemas.microsoft.com/office/drawing/2014/main" id="{7F077192-4472-285C-BF2A-30267C2129CF}"/>
+                <a16:creationId xmlns:a16="http://schemas.microsoft.com/office/drawing/2014/main" id="{358EF306-A761-9F5F-613C-E621936D9CAB}"/>
               </a:ext>
             </a:extLst>
           </p:cNvPr>
@@ -580,7 +580,7 @@
           <p:cNvPr id="3" name="竖排文字占位符 2">
             <a:extLst>
               <a:ext uri="{FF2B5EF4-FFF2-40B4-BE49-F238E27FC236}">
-                <a16:creationId xmlns:a16="http://schemas.microsoft.com/office/drawing/2014/main" id="{83F12BAA-170D-5CE8-5963-6962682BBAC1}"/>
+                <a16:creationId xmlns:a16="http://schemas.microsoft.com/office/drawing/2014/main" id="{9A96AD18-8788-2D93-5DBD-3AC1CE42B8AD}"/>
               </a:ext>
             </a:extLst>
           </p:cNvPr>
@@ -642,7 +642,7 @@
           <p:cNvPr id="4" name="日期占位符 3">
             <a:extLst>
               <a:ext uri="{FF2B5EF4-FFF2-40B4-BE49-F238E27FC236}">
-                <a16:creationId xmlns:a16="http://schemas.microsoft.com/office/drawing/2014/main" id="{CD8895F0-3594-CFE0-6E12-6D030278E56D}"/>
+                <a16:creationId xmlns:a16="http://schemas.microsoft.com/office/drawing/2014/main" id="{8F1F4AA7-1A4C-0502-3E77-620AF61F8C22}"/>
               </a:ext>
             </a:extLst>
           </p:cNvPr>
@@ -658,7 +658,7 @@
           <a:bodyPr/>
           <a:lstStyle/>
           <a:p>
-            <a:fld id="{5574E771-F5E9-44A1-BA10-5D46E8416EDE}" type="datetimeFigureOut">
+            <a:fld id="{C06F3775-B314-4E23-AEA2-2275C3A83E4C}" type="datetimeFigureOut">
               <a:rPr lang="zh-CN" altLang="en-US" smtClean="0"/>
               <a:t>2024/3/10</a:t>
             </a:fld>
@@ -671,7 +671,7 @@
           <p:cNvPr id="5" name="页脚占位符 4">
             <a:extLst>
               <a:ext uri="{FF2B5EF4-FFF2-40B4-BE49-F238E27FC236}">
-                <a16:creationId xmlns:a16="http://schemas.microsoft.com/office/drawing/2014/main" id="{CE614799-610D-3DDB-8436-2599215A1985}"/>
+                <a16:creationId xmlns:a16="http://schemas.microsoft.com/office/drawing/2014/main" id="{EEC8B5EA-9F3E-0BF3-B171-E715BDA9BDB0}"/>
               </a:ext>
             </a:extLst>
           </p:cNvPr>
@@ -696,7 +696,7 @@
           <p:cNvPr id="6" name="灯片编号占位符 5">
             <a:extLst>
               <a:ext uri="{FF2B5EF4-FFF2-40B4-BE49-F238E27FC236}">
-                <a16:creationId xmlns:a16="http://schemas.microsoft.com/office/drawing/2014/main" id="{934BE6F0-5A45-BFC6-0F5A-E0105ABC400B}"/>
+                <a16:creationId xmlns:a16="http://schemas.microsoft.com/office/drawing/2014/main" id="{7DF42DE4-37C0-5209-1C76-FE7852E24015}"/>
               </a:ext>
             </a:extLst>
           </p:cNvPr>
@@ -712,7 +712,7 @@
           <a:bodyPr/>
           <a:lstStyle/>
           <a:p>
-            <a:fld id="{91070122-1CDF-413A-91E0-758FE5E4A1F3}" type="slidenum">
+            <a:fld id="{DD6471C8-4BCF-4A81-932F-3CDE449488C6}" type="slidenum">
               <a:rPr lang="zh-CN" altLang="en-US" smtClean="0"/>
               <a:t>‹#›</a:t>
             </a:fld>
@@ -723,7 +723,7 @@
     </p:spTree>
     <p:extLst>
       <p:ext uri="{BB962C8B-B14F-4D97-AF65-F5344CB8AC3E}">
-        <p14:creationId xmlns:p14="http://schemas.microsoft.com/office/powerpoint/2010/main" val="3606461622"/>
+        <p14:creationId xmlns:p14="http://schemas.microsoft.com/office/powerpoint/2010/main" val="809631362"/>
       </p:ext>
     </p:extLst>
   </p:cSld>
@@ -755,7 +755,7 @@
           <p:cNvPr id="2" name="标题 1">
             <a:extLst>
               <a:ext uri="{FF2B5EF4-FFF2-40B4-BE49-F238E27FC236}">
-                <a16:creationId xmlns:a16="http://schemas.microsoft.com/office/drawing/2014/main" id="{8F9F2AEB-AC21-926D-8956-65364BFF0738}"/>
+                <a16:creationId xmlns:a16="http://schemas.microsoft.com/office/drawing/2014/main" id="{EAE999CF-574E-F162-A11F-E0672A43B039}"/>
               </a:ext>
             </a:extLst>
           </p:cNvPr>
@@ -783,7 +783,7 @@
           <p:cNvPr id="3" name="内容占位符 2">
             <a:extLst>
               <a:ext uri="{FF2B5EF4-FFF2-40B4-BE49-F238E27FC236}">
-                <a16:creationId xmlns:a16="http://schemas.microsoft.com/office/drawing/2014/main" id="{2A88BFE2-D9DF-BE37-E395-EABCFDBD7838}"/>
+                <a16:creationId xmlns:a16="http://schemas.microsoft.com/office/drawing/2014/main" id="{94F8B092-25AD-C03E-6D57-06B60A57E071}"/>
               </a:ext>
             </a:extLst>
           </p:cNvPr>
@@ -840,7 +840,7 @@
           <p:cNvPr id="4" name="日期占位符 3">
             <a:extLst>
               <a:ext uri="{FF2B5EF4-FFF2-40B4-BE49-F238E27FC236}">
-                <a16:creationId xmlns:a16="http://schemas.microsoft.com/office/drawing/2014/main" id="{6988DCD1-9158-F066-EC2A-B3D7FEDC9462}"/>
+                <a16:creationId xmlns:a16="http://schemas.microsoft.com/office/drawing/2014/main" id="{84CD5B3D-B2AC-B1DE-8CC0-12BA22B9D4D4}"/>
               </a:ext>
             </a:extLst>
           </p:cNvPr>
@@ -856,7 +856,7 @@
           <a:bodyPr/>
           <a:lstStyle/>
           <a:p>
-            <a:fld id="{5574E771-F5E9-44A1-BA10-5D46E8416EDE}" type="datetimeFigureOut">
+            <a:fld id="{C06F3775-B314-4E23-AEA2-2275C3A83E4C}" type="datetimeFigureOut">
               <a:rPr lang="zh-CN" altLang="en-US" smtClean="0"/>
               <a:t>2024/3/10</a:t>
             </a:fld>
@@ -869,7 +869,7 @@
           <p:cNvPr id="5" name="页脚占位符 4">
             <a:extLst>
               <a:ext uri="{FF2B5EF4-FFF2-40B4-BE49-F238E27FC236}">
-                <a16:creationId xmlns:a16="http://schemas.microsoft.com/office/drawing/2014/main" id="{BEEBA8CD-5CE0-605D-7ACD-9652B968C4A9}"/>
+                <a16:creationId xmlns:a16="http://schemas.microsoft.com/office/drawing/2014/main" id="{6AF2BE21-5BDB-2A80-39A1-935623673EDE}"/>
               </a:ext>
             </a:extLst>
           </p:cNvPr>
@@ -894,7 +894,7 @@
           <p:cNvPr id="6" name="灯片编号占位符 5">
             <a:extLst>
               <a:ext uri="{FF2B5EF4-FFF2-40B4-BE49-F238E27FC236}">
-                <a16:creationId xmlns:a16="http://schemas.microsoft.com/office/drawing/2014/main" id="{DABC6885-518C-E856-5C3E-64154D798DB8}"/>
+                <a16:creationId xmlns:a16="http://schemas.microsoft.com/office/drawing/2014/main" id="{B71FB871-E6AE-9511-3CCB-742F8E7763BC}"/>
               </a:ext>
             </a:extLst>
           </p:cNvPr>
@@ -910,7 +910,7 @@
           <a:bodyPr/>
           <a:lstStyle/>
           <a:p>
-            <a:fld id="{91070122-1CDF-413A-91E0-758FE5E4A1F3}" type="slidenum">
+            <a:fld id="{DD6471C8-4BCF-4A81-932F-3CDE449488C6}" type="slidenum">
               <a:rPr lang="zh-CN" altLang="en-US" smtClean="0"/>
               <a:t>‹#›</a:t>
             </a:fld>
@@ -921,7 +921,7 @@
     </p:spTree>
     <p:extLst>
       <p:ext uri="{BB962C8B-B14F-4D97-AF65-F5344CB8AC3E}">
-        <p14:creationId xmlns:p14="http://schemas.microsoft.com/office/powerpoint/2010/main" val="2493010272"/>
+        <p14:creationId xmlns:p14="http://schemas.microsoft.com/office/powerpoint/2010/main" val="582152031"/>
       </p:ext>
     </p:extLst>
   </p:cSld>
@@ -953,7 +953,7 @@
           <p:cNvPr id="2" name="标题 1">
             <a:extLst>
               <a:ext uri="{FF2B5EF4-FFF2-40B4-BE49-F238E27FC236}">
-                <a16:creationId xmlns:a16="http://schemas.microsoft.com/office/drawing/2014/main" id="{BD9335EF-CAC4-8804-1113-27DD8621EF0D}"/>
+                <a16:creationId xmlns:a16="http://schemas.microsoft.com/office/drawing/2014/main" id="{4BB5BD43-74BA-8AD8-A24B-3B4F2C03737F}"/>
               </a:ext>
             </a:extLst>
           </p:cNvPr>
@@ -990,7 +990,7 @@
           <p:cNvPr id="3" name="文本占位符 2">
             <a:extLst>
               <a:ext uri="{FF2B5EF4-FFF2-40B4-BE49-F238E27FC236}">
-                <a16:creationId xmlns:a16="http://schemas.microsoft.com/office/drawing/2014/main" id="{87B0A935-FD10-BE11-6B59-EE2752CE8279}"/>
+                <a16:creationId xmlns:a16="http://schemas.microsoft.com/office/drawing/2014/main" id="{EBCF1730-9FC0-C6D3-C40C-047A5601CB68}"/>
               </a:ext>
             </a:extLst>
           </p:cNvPr>
@@ -1115,7 +1115,7 @@
           <p:cNvPr id="4" name="日期占位符 3">
             <a:extLst>
               <a:ext uri="{FF2B5EF4-FFF2-40B4-BE49-F238E27FC236}">
-                <a16:creationId xmlns:a16="http://schemas.microsoft.com/office/drawing/2014/main" id="{230053B5-967A-CC22-DF35-B6755D216789}"/>
+                <a16:creationId xmlns:a16="http://schemas.microsoft.com/office/drawing/2014/main" id="{FD9B092F-EF64-9623-3D8B-359159979C60}"/>
               </a:ext>
             </a:extLst>
           </p:cNvPr>
@@ -1131,7 +1131,7 @@
           <a:bodyPr/>
           <a:lstStyle/>
           <a:p>
-            <a:fld id="{5574E771-F5E9-44A1-BA10-5D46E8416EDE}" type="datetimeFigureOut">
+            <a:fld id="{C06F3775-B314-4E23-AEA2-2275C3A83E4C}" type="datetimeFigureOut">
               <a:rPr lang="zh-CN" altLang="en-US" smtClean="0"/>
               <a:t>2024/3/10</a:t>
             </a:fld>
@@ -1144,7 +1144,7 @@
           <p:cNvPr id="5" name="页脚占位符 4">
             <a:extLst>
               <a:ext uri="{FF2B5EF4-FFF2-40B4-BE49-F238E27FC236}">
-                <a16:creationId xmlns:a16="http://schemas.microsoft.com/office/drawing/2014/main" id="{CC085E6D-6400-A527-8B02-A11803A94A09}"/>
+                <a16:creationId xmlns:a16="http://schemas.microsoft.com/office/drawing/2014/main" id="{1E761B2B-6446-88CC-7D58-840A393EC2B2}"/>
               </a:ext>
             </a:extLst>
           </p:cNvPr>
@@ -1169,7 +1169,7 @@
           <p:cNvPr id="6" name="灯片编号占位符 5">
             <a:extLst>
               <a:ext uri="{FF2B5EF4-FFF2-40B4-BE49-F238E27FC236}">
-                <a16:creationId xmlns:a16="http://schemas.microsoft.com/office/drawing/2014/main" id="{20AC49BB-4587-ADE5-0F98-35D7440C9701}"/>
+                <a16:creationId xmlns:a16="http://schemas.microsoft.com/office/drawing/2014/main" id="{C1A12217-E2C0-EB0A-5CAB-D873B5CA411C}"/>
               </a:ext>
             </a:extLst>
           </p:cNvPr>
@@ -1185,7 +1185,7 @@
           <a:bodyPr/>
           <a:lstStyle/>
           <a:p>
-            <a:fld id="{91070122-1CDF-413A-91E0-758FE5E4A1F3}" type="slidenum">
+            <a:fld id="{DD6471C8-4BCF-4A81-932F-3CDE449488C6}" type="slidenum">
               <a:rPr lang="zh-CN" altLang="en-US" smtClean="0"/>
               <a:t>‹#›</a:t>
             </a:fld>
@@ -1196,7 +1196,7 @@
     </p:spTree>
     <p:extLst>
       <p:ext uri="{BB962C8B-B14F-4D97-AF65-F5344CB8AC3E}">
-        <p14:creationId xmlns:p14="http://schemas.microsoft.com/office/powerpoint/2010/main" val="1426617664"/>
+        <p14:creationId xmlns:p14="http://schemas.microsoft.com/office/powerpoint/2010/main" val="849280992"/>
       </p:ext>
     </p:extLst>
   </p:cSld>
@@ -1228,7 +1228,7 @@
           <p:cNvPr id="2" name="标题 1">
             <a:extLst>
               <a:ext uri="{FF2B5EF4-FFF2-40B4-BE49-F238E27FC236}">
-                <a16:creationId xmlns:a16="http://schemas.microsoft.com/office/drawing/2014/main" id="{61A92296-8A31-99E6-21E1-9603520A6DCC}"/>
+                <a16:creationId xmlns:a16="http://schemas.microsoft.com/office/drawing/2014/main" id="{9F5B8D4E-B327-5148-F19F-FF2C82F391F6}"/>
               </a:ext>
             </a:extLst>
           </p:cNvPr>
@@ -1256,7 +1256,7 @@
           <p:cNvPr id="3" name="内容占位符 2">
             <a:extLst>
               <a:ext uri="{FF2B5EF4-FFF2-40B4-BE49-F238E27FC236}">
-                <a16:creationId xmlns:a16="http://schemas.microsoft.com/office/drawing/2014/main" id="{E2301B7A-7AB5-E55F-4F50-793C816157D8}"/>
+                <a16:creationId xmlns:a16="http://schemas.microsoft.com/office/drawing/2014/main" id="{B6F6357E-D8E6-857C-8E7B-CCE8DAA1E5CC}"/>
               </a:ext>
             </a:extLst>
           </p:cNvPr>
@@ -1318,7 +1318,7 @@
           <p:cNvPr id="4" name="内容占位符 3">
             <a:extLst>
               <a:ext uri="{FF2B5EF4-FFF2-40B4-BE49-F238E27FC236}">
-                <a16:creationId xmlns:a16="http://schemas.microsoft.com/office/drawing/2014/main" id="{5DEA44A0-15ED-90F1-D642-2BB150CCC6C4}"/>
+                <a16:creationId xmlns:a16="http://schemas.microsoft.com/office/drawing/2014/main" id="{24249E3C-2231-BAD4-7BB5-113A0390E5DC}"/>
               </a:ext>
             </a:extLst>
           </p:cNvPr>
@@ -1380,7 +1380,7 @@
           <p:cNvPr id="5" name="日期占位符 4">
             <a:extLst>
               <a:ext uri="{FF2B5EF4-FFF2-40B4-BE49-F238E27FC236}">
-                <a16:creationId xmlns:a16="http://schemas.microsoft.com/office/drawing/2014/main" id="{368C8D64-33CD-0B50-974E-1FC324C66924}"/>
+                <a16:creationId xmlns:a16="http://schemas.microsoft.com/office/drawing/2014/main" id="{F85F2CF5-878C-6B46-D48F-CFF96D5F4AD7}"/>
               </a:ext>
             </a:extLst>
           </p:cNvPr>
@@ -1396,7 +1396,7 @@
           <a:bodyPr/>
           <a:lstStyle/>
           <a:p>
-            <a:fld id="{5574E771-F5E9-44A1-BA10-5D46E8416EDE}" type="datetimeFigureOut">
+            <a:fld id="{C06F3775-B314-4E23-AEA2-2275C3A83E4C}" type="datetimeFigureOut">
               <a:rPr lang="zh-CN" altLang="en-US" smtClean="0"/>
               <a:t>2024/3/10</a:t>
             </a:fld>
@@ -1409,7 +1409,7 @@
           <p:cNvPr id="6" name="页脚占位符 5">
             <a:extLst>
               <a:ext uri="{FF2B5EF4-FFF2-40B4-BE49-F238E27FC236}">
-                <a16:creationId xmlns:a16="http://schemas.microsoft.com/office/drawing/2014/main" id="{3BD27F4A-A5D8-5C91-457B-0816230250AD}"/>
+                <a16:creationId xmlns:a16="http://schemas.microsoft.com/office/drawing/2014/main" id="{9EDD6F9B-708D-052D-6804-CC23DFCA18CF}"/>
               </a:ext>
             </a:extLst>
           </p:cNvPr>
@@ -1434,7 +1434,7 @@
           <p:cNvPr id="7" name="灯片编号占位符 6">
             <a:extLst>
               <a:ext uri="{FF2B5EF4-FFF2-40B4-BE49-F238E27FC236}">
-                <a16:creationId xmlns:a16="http://schemas.microsoft.com/office/drawing/2014/main" id="{56B5ECDD-5723-9727-F7BB-AD449AD72161}"/>
+                <a16:creationId xmlns:a16="http://schemas.microsoft.com/office/drawing/2014/main" id="{4DEA3AA6-065E-0131-4050-8D2531FB990B}"/>
               </a:ext>
             </a:extLst>
           </p:cNvPr>
@@ -1450,7 +1450,7 @@
           <a:bodyPr/>
           <a:lstStyle/>
           <a:p>
-            <a:fld id="{91070122-1CDF-413A-91E0-758FE5E4A1F3}" type="slidenum">
+            <a:fld id="{DD6471C8-4BCF-4A81-932F-3CDE449488C6}" type="slidenum">
               <a:rPr lang="zh-CN" altLang="en-US" smtClean="0"/>
               <a:t>‹#›</a:t>
             </a:fld>
@@ -1461,7 +1461,7 @@
     </p:spTree>
     <p:extLst>
       <p:ext uri="{BB962C8B-B14F-4D97-AF65-F5344CB8AC3E}">
-        <p14:creationId xmlns:p14="http://schemas.microsoft.com/office/powerpoint/2010/main" val="4180948148"/>
+        <p14:creationId xmlns:p14="http://schemas.microsoft.com/office/powerpoint/2010/main" val="1035139842"/>
       </p:ext>
     </p:extLst>
   </p:cSld>
@@ -1493,7 +1493,7 @@
           <p:cNvPr id="2" name="标题 1">
             <a:extLst>
               <a:ext uri="{FF2B5EF4-FFF2-40B4-BE49-F238E27FC236}">
-                <a16:creationId xmlns:a16="http://schemas.microsoft.com/office/drawing/2014/main" id="{D51F756C-27C9-6769-1206-233AB309B5BA}"/>
+                <a16:creationId xmlns:a16="http://schemas.microsoft.com/office/drawing/2014/main" id="{C5E771B4-13D0-7425-EF8F-B52B729E7431}"/>
               </a:ext>
             </a:extLst>
           </p:cNvPr>
@@ -1526,7 +1526,7 @@
           <p:cNvPr id="3" name="文本占位符 2">
             <a:extLst>
               <a:ext uri="{FF2B5EF4-FFF2-40B4-BE49-F238E27FC236}">
-                <a16:creationId xmlns:a16="http://schemas.microsoft.com/office/drawing/2014/main" id="{B7546169-A6DD-126B-0F2A-17276774BB4A}"/>
+                <a16:creationId xmlns:a16="http://schemas.microsoft.com/office/drawing/2014/main" id="{A56A4F43-B561-EE14-A41C-E52A231DA1B1}"/>
               </a:ext>
             </a:extLst>
           </p:cNvPr>
@@ -1597,7 +1597,7 @@
           <p:cNvPr id="4" name="内容占位符 3">
             <a:extLst>
               <a:ext uri="{FF2B5EF4-FFF2-40B4-BE49-F238E27FC236}">
-                <a16:creationId xmlns:a16="http://schemas.microsoft.com/office/drawing/2014/main" id="{14314309-F983-BB08-DC9B-1D2F78BEA7AC}"/>
+                <a16:creationId xmlns:a16="http://schemas.microsoft.com/office/drawing/2014/main" id="{AA596E1F-C369-4289-E164-6DFEC7319234}"/>
               </a:ext>
             </a:extLst>
           </p:cNvPr>
@@ -1659,7 +1659,7 @@
           <p:cNvPr id="5" name="文本占位符 4">
             <a:extLst>
               <a:ext uri="{FF2B5EF4-FFF2-40B4-BE49-F238E27FC236}">
-                <a16:creationId xmlns:a16="http://schemas.microsoft.com/office/drawing/2014/main" id="{6624EE91-5308-A878-2FCF-090EBE72DB35}"/>
+                <a16:creationId xmlns:a16="http://schemas.microsoft.com/office/drawing/2014/main" id="{AAB27474-85A1-F0DD-9BE6-289F1A5DE91C}"/>
               </a:ext>
             </a:extLst>
           </p:cNvPr>
@@ -1730,7 +1730,7 @@
           <p:cNvPr id="6" name="内容占位符 5">
             <a:extLst>
               <a:ext uri="{FF2B5EF4-FFF2-40B4-BE49-F238E27FC236}">
-                <a16:creationId xmlns:a16="http://schemas.microsoft.com/office/drawing/2014/main" id="{949BAD74-EAF7-8096-F905-FDEAC482C9A2}"/>
+                <a16:creationId xmlns:a16="http://schemas.microsoft.com/office/drawing/2014/main" id="{980653B9-C377-696A-6AC1-CC0A14E8CA8C}"/>
               </a:ext>
             </a:extLst>
           </p:cNvPr>
@@ -1792,7 +1792,7 @@
           <p:cNvPr id="7" name="日期占位符 6">
             <a:extLst>
               <a:ext uri="{FF2B5EF4-FFF2-40B4-BE49-F238E27FC236}">
-                <a16:creationId xmlns:a16="http://schemas.microsoft.com/office/drawing/2014/main" id="{A5C5E612-B582-ACC5-01CB-049370605DFA}"/>
+                <a16:creationId xmlns:a16="http://schemas.microsoft.com/office/drawing/2014/main" id="{CFA8F715-DE56-58BA-9C4C-5E621AF6B74F}"/>
               </a:ext>
             </a:extLst>
           </p:cNvPr>
@@ -1808,7 +1808,7 @@
           <a:bodyPr/>
           <a:lstStyle/>
           <a:p>
-            <a:fld id="{5574E771-F5E9-44A1-BA10-5D46E8416EDE}" type="datetimeFigureOut">
+            <a:fld id="{C06F3775-B314-4E23-AEA2-2275C3A83E4C}" type="datetimeFigureOut">
               <a:rPr lang="zh-CN" altLang="en-US" smtClean="0"/>
               <a:t>2024/3/10</a:t>
             </a:fld>
@@ -1821,7 +1821,7 @@
           <p:cNvPr id="8" name="页脚占位符 7">
             <a:extLst>
               <a:ext uri="{FF2B5EF4-FFF2-40B4-BE49-F238E27FC236}">
-                <a16:creationId xmlns:a16="http://schemas.microsoft.com/office/drawing/2014/main" id="{77AA931E-1820-9B52-85BF-2CDBD6F88127}"/>
+                <a16:creationId xmlns:a16="http://schemas.microsoft.com/office/drawing/2014/main" id="{C22D27D3-1B27-180C-8FAE-632EAE662CCD}"/>
               </a:ext>
             </a:extLst>
           </p:cNvPr>
@@ -1846,7 +1846,7 @@
           <p:cNvPr id="9" name="灯片编号占位符 8">
             <a:extLst>
               <a:ext uri="{FF2B5EF4-FFF2-40B4-BE49-F238E27FC236}">
-                <a16:creationId xmlns:a16="http://schemas.microsoft.com/office/drawing/2014/main" id="{B2680C04-81A8-2C73-8FE0-5C50665EA57C}"/>
+                <a16:creationId xmlns:a16="http://schemas.microsoft.com/office/drawing/2014/main" id="{B4C4E9D4-3C0C-245C-EBE6-88C366B339E1}"/>
               </a:ext>
             </a:extLst>
           </p:cNvPr>
@@ -1862,7 +1862,7 @@
           <a:bodyPr/>
           <a:lstStyle/>
           <a:p>
-            <a:fld id="{91070122-1CDF-413A-91E0-758FE5E4A1F3}" type="slidenum">
+            <a:fld id="{DD6471C8-4BCF-4A81-932F-3CDE449488C6}" type="slidenum">
               <a:rPr lang="zh-CN" altLang="en-US" smtClean="0"/>
               <a:t>‹#›</a:t>
             </a:fld>
@@ -1873,7 +1873,7 @@
     </p:spTree>
     <p:extLst>
       <p:ext uri="{BB962C8B-B14F-4D97-AF65-F5344CB8AC3E}">
-        <p14:creationId xmlns:p14="http://schemas.microsoft.com/office/powerpoint/2010/main" val="1453485363"/>
+        <p14:creationId xmlns:p14="http://schemas.microsoft.com/office/powerpoint/2010/main" val="613697990"/>
       </p:ext>
     </p:extLst>
   </p:cSld>
@@ -1905,7 +1905,7 @@
           <p:cNvPr id="2" name="标题 1">
             <a:extLst>
               <a:ext uri="{FF2B5EF4-FFF2-40B4-BE49-F238E27FC236}">
-                <a16:creationId xmlns:a16="http://schemas.microsoft.com/office/drawing/2014/main" id="{B89A0CCA-38F6-14F4-5079-4BE11DDE3D9D}"/>
+                <a16:creationId xmlns:a16="http://schemas.microsoft.com/office/drawing/2014/main" id="{72BB40C3-6973-1A52-6491-347036702780}"/>
               </a:ext>
             </a:extLst>
           </p:cNvPr>
@@ -1933,7 +1933,7 @@
           <p:cNvPr id="3" name="日期占位符 2">
             <a:extLst>
               <a:ext uri="{FF2B5EF4-FFF2-40B4-BE49-F238E27FC236}">
-                <a16:creationId xmlns:a16="http://schemas.microsoft.com/office/drawing/2014/main" id="{2EF470CC-1D70-8449-4A2C-2C03ABCA86A6}"/>
+                <a16:creationId xmlns:a16="http://schemas.microsoft.com/office/drawing/2014/main" id="{A5F44D87-7487-6FF2-43D6-9AEB7395E5F8}"/>
               </a:ext>
             </a:extLst>
           </p:cNvPr>
@@ -1949,7 +1949,7 @@
           <a:bodyPr/>
           <a:lstStyle/>
           <a:p>
-            <a:fld id="{5574E771-F5E9-44A1-BA10-5D46E8416EDE}" type="datetimeFigureOut">
+            <a:fld id="{C06F3775-B314-4E23-AEA2-2275C3A83E4C}" type="datetimeFigureOut">
               <a:rPr lang="zh-CN" altLang="en-US" smtClean="0"/>
               <a:t>2024/3/10</a:t>
             </a:fld>
@@ -1962,7 +1962,7 @@
           <p:cNvPr id="4" name="页脚占位符 3">
             <a:extLst>
               <a:ext uri="{FF2B5EF4-FFF2-40B4-BE49-F238E27FC236}">
-                <a16:creationId xmlns:a16="http://schemas.microsoft.com/office/drawing/2014/main" id="{4A0D21EC-DD1E-771A-4811-CF6F85E4DAE1}"/>
+                <a16:creationId xmlns:a16="http://schemas.microsoft.com/office/drawing/2014/main" id="{DEB78C89-D6AA-63D2-3973-B60E97795FC2}"/>
               </a:ext>
             </a:extLst>
           </p:cNvPr>
@@ -1987,7 +1987,7 @@
           <p:cNvPr id="5" name="灯片编号占位符 4">
             <a:extLst>
               <a:ext uri="{FF2B5EF4-FFF2-40B4-BE49-F238E27FC236}">
-                <a16:creationId xmlns:a16="http://schemas.microsoft.com/office/drawing/2014/main" id="{7A5E19BB-B63D-3CDF-8BFF-1B5483A06FE8}"/>
+                <a16:creationId xmlns:a16="http://schemas.microsoft.com/office/drawing/2014/main" id="{770D447D-0C52-A752-F031-8CDDABBE38CA}"/>
               </a:ext>
             </a:extLst>
           </p:cNvPr>
@@ -2003,7 +2003,7 @@
           <a:bodyPr/>
           <a:lstStyle/>
           <a:p>
-            <a:fld id="{91070122-1CDF-413A-91E0-758FE5E4A1F3}" type="slidenum">
+            <a:fld id="{DD6471C8-4BCF-4A81-932F-3CDE449488C6}" type="slidenum">
               <a:rPr lang="zh-CN" altLang="en-US" smtClean="0"/>
               <a:t>‹#›</a:t>
             </a:fld>
@@ -2014,7 +2014,7 @@
     </p:spTree>
     <p:extLst>
       <p:ext uri="{BB962C8B-B14F-4D97-AF65-F5344CB8AC3E}">
-        <p14:creationId xmlns:p14="http://schemas.microsoft.com/office/powerpoint/2010/main" val="1469236358"/>
+        <p14:creationId xmlns:p14="http://schemas.microsoft.com/office/powerpoint/2010/main" val="3819545867"/>
       </p:ext>
     </p:extLst>
   </p:cSld>
@@ -2046,7 +2046,7 @@
           <p:cNvPr id="2" name="日期占位符 1">
             <a:extLst>
               <a:ext uri="{FF2B5EF4-FFF2-40B4-BE49-F238E27FC236}">
-                <a16:creationId xmlns:a16="http://schemas.microsoft.com/office/drawing/2014/main" id="{08E6F13C-554C-2D39-491D-AA7A1C72C6C6}"/>
+                <a16:creationId xmlns:a16="http://schemas.microsoft.com/office/drawing/2014/main" id="{FAB297EA-000C-037C-A014-F151E4C85F87}"/>
               </a:ext>
             </a:extLst>
           </p:cNvPr>
@@ -2062,7 +2062,7 @@
           <a:bodyPr/>
           <a:lstStyle/>
           <a:p>
-            <a:fld id="{5574E771-F5E9-44A1-BA10-5D46E8416EDE}" type="datetimeFigureOut">
+            <a:fld id="{C06F3775-B314-4E23-AEA2-2275C3A83E4C}" type="datetimeFigureOut">
               <a:rPr lang="zh-CN" altLang="en-US" smtClean="0"/>
               <a:t>2024/3/10</a:t>
             </a:fld>
@@ -2075,7 +2075,7 @@
           <p:cNvPr id="3" name="页脚占位符 2">
             <a:extLst>
               <a:ext uri="{FF2B5EF4-FFF2-40B4-BE49-F238E27FC236}">
-                <a16:creationId xmlns:a16="http://schemas.microsoft.com/office/drawing/2014/main" id="{663B4781-7AB9-E82C-A6F1-B4BE379D8F73}"/>
+                <a16:creationId xmlns:a16="http://schemas.microsoft.com/office/drawing/2014/main" id="{5FFBFFC7-8DAC-FD5A-E6AB-43520C198FE0}"/>
               </a:ext>
             </a:extLst>
           </p:cNvPr>
@@ -2100,7 +2100,7 @@
           <p:cNvPr id="4" name="灯片编号占位符 3">
             <a:extLst>
               <a:ext uri="{FF2B5EF4-FFF2-40B4-BE49-F238E27FC236}">
-                <a16:creationId xmlns:a16="http://schemas.microsoft.com/office/drawing/2014/main" id="{14CE0E57-5E79-9FB0-18D0-458AD0796645}"/>
+                <a16:creationId xmlns:a16="http://schemas.microsoft.com/office/drawing/2014/main" id="{B964FA02-1C89-3D3D-92E4-A502A3293526}"/>
               </a:ext>
             </a:extLst>
           </p:cNvPr>
@@ -2116,7 +2116,7 @@
           <a:bodyPr/>
           <a:lstStyle/>
           <a:p>
-            <a:fld id="{91070122-1CDF-413A-91E0-758FE5E4A1F3}" type="slidenum">
+            <a:fld id="{DD6471C8-4BCF-4A81-932F-3CDE449488C6}" type="slidenum">
               <a:rPr lang="zh-CN" altLang="en-US" smtClean="0"/>
               <a:t>‹#›</a:t>
             </a:fld>
@@ -2127,7 +2127,7 @@
     </p:spTree>
     <p:extLst>
       <p:ext uri="{BB962C8B-B14F-4D97-AF65-F5344CB8AC3E}">
-        <p14:creationId xmlns:p14="http://schemas.microsoft.com/office/powerpoint/2010/main" val="2358531496"/>
+        <p14:creationId xmlns:p14="http://schemas.microsoft.com/office/powerpoint/2010/main" val="1173517664"/>
       </p:ext>
     </p:extLst>
   </p:cSld>
@@ -2159,7 +2159,7 @@
           <p:cNvPr id="2" name="标题 1">
             <a:extLst>
               <a:ext uri="{FF2B5EF4-FFF2-40B4-BE49-F238E27FC236}">
-                <a16:creationId xmlns:a16="http://schemas.microsoft.com/office/drawing/2014/main" id="{8517BB84-22E3-65C3-627B-8B24B19E5FB5}"/>
+                <a16:creationId xmlns:a16="http://schemas.microsoft.com/office/drawing/2014/main" id="{FABDE45F-7008-CD90-FE4C-270110A8D1CF}"/>
               </a:ext>
             </a:extLst>
           </p:cNvPr>
@@ -2196,7 +2196,7 @@
           <p:cNvPr id="3" name="内容占位符 2">
             <a:extLst>
               <a:ext uri="{FF2B5EF4-FFF2-40B4-BE49-F238E27FC236}">
-                <a16:creationId xmlns:a16="http://schemas.microsoft.com/office/drawing/2014/main" id="{717E356D-2EEC-92D5-50C1-542BB301B0F5}"/>
+                <a16:creationId xmlns:a16="http://schemas.microsoft.com/office/drawing/2014/main" id="{78993249-516C-0DBD-ECB0-AB38845F1602}"/>
               </a:ext>
             </a:extLst>
           </p:cNvPr>
@@ -2286,7 +2286,7 @@
           <p:cNvPr id="4" name="文本占位符 3">
             <a:extLst>
               <a:ext uri="{FF2B5EF4-FFF2-40B4-BE49-F238E27FC236}">
-                <a16:creationId xmlns:a16="http://schemas.microsoft.com/office/drawing/2014/main" id="{735A0CCE-8804-C9BA-3EEE-C7ACE77D0B7F}"/>
+                <a16:creationId xmlns:a16="http://schemas.microsoft.com/office/drawing/2014/main" id="{671121F9-D656-1E1C-927F-4355F06FA234}"/>
               </a:ext>
             </a:extLst>
           </p:cNvPr>
@@ -2357,7 +2357,7 @@
           <p:cNvPr id="5" name="日期占位符 4">
             <a:extLst>
               <a:ext uri="{FF2B5EF4-FFF2-40B4-BE49-F238E27FC236}">
-                <a16:creationId xmlns:a16="http://schemas.microsoft.com/office/drawing/2014/main" id="{A6F25F03-7993-A6EE-0BD1-55DF9025543A}"/>
+                <a16:creationId xmlns:a16="http://schemas.microsoft.com/office/drawing/2014/main" id="{24C6EE5C-2946-0ACE-7B5C-4D8C8FAFBB2F}"/>
               </a:ext>
             </a:extLst>
           </p:cNvPr>
@@ -2373,7 +2373,7 @@
           <a:bodyPr/>
           <a:lstStyle/>
           <a:p>
-            <a:fld id="{5574E771-F5E9-44A1-BA10-5D46E8416EDE}" type="datetimeFigureOut">
+            <a:fld id="{C06F3775-B314-4E23-AEA2-2275C3A83E4C}" type="datetimeFigureOut">
               <a:rPr lang="zh-CN" altLang="en-US" smtClean="0"/>
               <a:t>2024/3/10</a:t>
             </a:fld>
@@ -2386,7 +2386,7 @@
           <p:cNvPr id="6" name="页脚占位符 5">
             <a:extLst>
               <a:ext uri="{FF2B5EF4-FFF2-40B4-BE49-F238E27FC236}">
-                <a16:creationId xmlns:a16="http://schemas.microsoft.com/office/drawing/2014/main" id="{B32F49EE-059B-E48B-203C-ED6FB86701A6}"/>
+                <a16:creationId xmlns:a16="http://schemas.microsoft.com/office/drawing/2014/main" id="{857693E1-82BA-9248-8E33-2A52BD53EBAA}"/>
               </a:ext>
             </a:extLst>
           </p:cNvPr>
@@ -2411,7 +2411,7 @@
           <p:cNvPr id="7" name="灯片编号占位符 6">
             <a:extLst>
               <a:ext uri="{FF2B5EF4-FFF2-40B4-BE49-F238E27FC236}">
-                <a16:creationId xmlns:a16="http://schemas.microsoft.com/office/drawing/2014/main" id="{16ED0931-1ECE-9682-57F4-1B69367AC52C}"/>
+                <a16:creationId xmlns:a16="http://schemas.microsoft.com/office/drawing/2014/main" id="{17D0413C-5858-A684-F723-DAA3AA5E9D57}"/>
               </a:ext>
             </a:extLst>
           </p:cNvPr>
@@ -2427,7 +2427,7 @@
           <a:bodyPr/>
           <a:lstStyle/>
           <a:p>
-            <a:fld id="{91070122-1CDF-413A-91E0-758FE5E4A1F3}" type="slidenum">
+            <a:fld id="{DD6471C8-4BCF-4A81-932F-3CDE449488C6}" type="slidenum">
               <a:rPr lang="zh-CN" altLang="en-US" smtClean="0"/>
               <a:t>‹#›</a:t>
             </a:fld>
@@ -2438,7 +2438,7 @@
     </p:spTree>
     <p:extLst>
       <p:ext uri="{BB962C8B-B14F-4D97-AF65-F5344CB8AC3E}">
-        <p14:creationId xmlns:p14="http://schemas.microsoft.com/office/powerpoint/2010/main" val="2965134580"/>
+        <p14:creationId xmlns:p14="http://schemas.microsoft.com/office/powerpoint/2010/main" val="500367440"/>
       </p:ext>
     </p:extLst>
   </p:cSld>
@@ -2470,7 +2470,7 @@
           <p:cNvPr id="2" name="标题 1">
             <a:extLst>
               <a:ext uri="{FF2B5EF4-FFF2-40B4-BE49-F238E27FC236}">
-                <a16:creationId xmlns:a16="http://schemas.microsoft.com/office/drawing/2014/main" id="{2DF2CD95-FAEC-A87F-000F-28B79F49C1EC}"/>
+                <a16:creationId xmlns:a16="http://schemas.microsoft.com/office/drawing/2014/main" id="{BD35B986-EC92-50C0-746B-41E6D5E25AE3}"/>
               </a:ext>
             </a:extLst>
           </p:cNvPr>
@@ -2507,7 +2507,7 @@
           <p:cNvPr id="3" name="图片占位符 2">
             <a:extLst>
               <a:ext uri="{FF2B5EF4-FFF2-40B4-BE49-F238E27FC236}">
-                <a16:creationId xmlns:a16="http://schemas.microsoft.com/office/drawing/2014/main" id="{36C6C682-91D9-847E-2897-780AF798513A}"/>
+                <a16:creationId xmlns:a16="http://schemas.microsoft.com/office/drawing/2014/main" id="{F435B867-451F-DC3B-B25C-33AF940B7D43}"/>
               </a:ext>
             </a:extLst>
           </p:cNvPr>
@@ -2574,7 +2574,7 @@
           <p:cNvPr id="4" name="文本占位符 3">
             <a:extLst>
               <a:ext uri="{FF2B5EF4-FFF2-40B4-BE49-F238E27FC236}">
-                <a16:creationId xmlns:a16="http://schemas.microsoft.com/office/drawing/2014/main" id="{03F000A2-6FFB-6991-03B1-0BDC14558690}"/>
+                <a16:creationId xmlns:a16="http://schemas.microsoft.com/office/drawing/2014/main" id="{4728EB70-B73A-93E4-1836-F4A1B892CFBB}"/>
               </a:ext>
             </a:extLst>
           </p:cNvPr>
@@ -2645,7 +2645,7 @@
           <p:cNvPr id="5" name="日期占位符 4">
             <a:extLst>
               <a:ext uri="{FF2B5EF4-FFF2-40B4-BE49-F238E27FC236}">
-                <a16:creationId xmlns:a16="http://schemas.microsoft.com/office/drawing/2014/main" id="{FB620F6D-1460-9F1A-A186-4310CA80BA6A}"/>
+                <a16:creationId xmlns:a16="http://schemas.microsoft.com/office/drawing/2014/main" id="{787CDABD-71A5-2D88-0BBE-D226322A7EC0}"/>
               </a:ext>
             </a:extLst>
           </p:cNvPr>
@@ -2661,7 +2661,7 @@
           <a:bodyPr/>
           <a:lstStyle/>
           <a:p>
-            <a:fld id="{5574E771-F5E9-44A1-BA10-5D46E8416EDE}" type="datetimeFigureOut">
+            <a:fld id="{C06F3775-B314-4E23-AEA2-2275C3A83E4C}" type="datetimeFigureOut">
               <a:rPr lang="zh-CN" altLang="en-US" smtClean="0"/>
               <a:t>2024/3/10</a:t>
             </a:fld>
@@ -2674,7 +2674,7 @@
           <p:cNvPr id="6" name="页脚占位符 5">
             <a:extLst>
               <a:ext uri="{FF2B5EF4-FFF2-40B4-BE49-F238E27FC236}">
-                <a16:creationId xmlns:a16="http://schemas.microsoft.com/office/drawing/2014/main" id="{2878E064-E87A-D96C-6704-6CBCD1AD2B39}"/>
+                <a16:creationId xmlns:a16="http://schemas.microsoft.com/office/drawing/2014/main" id="{EAAE5085-E264-8547-AB0C-C468A88F0ACE}"/>
               </a:ext>
             </a:extLst>
           </p:cNvPr>
@@ -2699,7 +2699,7 @@
           <p:cNvPr id="7" name="灯片编号占位符 6">
             <a:extLst>
               <a:ext uri="{FF2B5EF4-FFF2-40B4-BE49-F238E27FC236}">
-                <a16:creationId xmlns:a16="http://schemas.microsoft.com/office/drawing/2014/main" id="{0F117F85-65F4-C202-7569-C0875C9E80B7}"/>
+                <a16:creationId xmlns:a16="http://schemas.microsoft.com/office/drawing/2014/main" id="{DF4CC15E-8D42-1B43-7C6B-021C1A7D42E6}"/>
               </a:ext>
             </a:extLst>
           </p:cNvPr>
@@ -2715,7 +2715,7 @@
           <a:bodyPr/>
           <a:lstStyle/>
           <a:p>
-            <a:fld id="{91070122-1CDF-413A-91E0-758FE5E4A1F3}" type="slidenum">
+            <a:fld id="{DD6471C8-4BCF-4A81-932F-3CDE449488C6}" type="slidenum">
               <a:rPr lang="zh-CN" altLang="en-US" smtClean="0"/>
               <a:t>‹#›</a:t>
             </a:fld>
@@ -2726,7 +2726,7 @@
     </p:spTree>
     <p:extLst>
       <p:ext uri="{BB962C8B-B14F-4D97-AF65-F5344CB8AC3E}">
-        <p14:creationId xmlns:p14="http://schemas.microsoft.com/office/powerpoint/2010/main" val="3507536987"/>
+        <p14:creationId xmlns:p14="http://schemas.microsoft.com/office/powerpoint/2010/main" val="1834056572"/>
       </p:ext>
     </p:extLst>
   </p:cSld>
@@ -2763,7 +2763,7 @@
           <p:cNvPr id="2" name="标题占位符 1">
             <a:extLst>
               <a:ext uri="{FF2B5EF4-FFF2-40B4-BE49-F238E27FC236}">
-                <a16:creationId xmlns:a16="http://schemas.microsoft.com/office/drawing/2014/main" id="{2FD69CA0-F47F-F8F4-5F9B-A464EFD85583}"/>
+                <a16:creationId xmlns:a16="http://schemas.microsoft.com/office/drawing/2014/main" id="{94E6E406-6467-2302-AF89-53F959D995D2}"/>
               </a:ext>
             </a:extLst>
           </p:cNvPr>
@@ -2801,7 +2801,7 @@
           <p:cNvPr id="3" name="文本占位符 2">
             <a:extLst>
               <a:ext uri="{FF2B5EF4-FFF2-40B4-BE49-F238E27FC236}">
-                <a16:creationId xmlns:a16="http://schemas.microsoft.com/office/drawing/2014/main" id="{E4CC9873-1A0C-0EE2-DC6C-75764F766278}"/>
+                <a16:creationId xmlns:a16="http://schemas.microsoft.com/office/drawing/2014/main" id="{D4DDBADB-FBB5-5A93-D1F7-399A47F30DA8}"/>
               </a:ext>
             </a:extLst>
           </p:cNvPr>
@@ -2868,7 +2868,7 @@
           <p:cNvPr id="4" name="日期占位符 3">
             <a:extLst>
               <a:ext uri="{FF2B5EF4-FFF2-40B4-BE49-F238E27FC236}">
-                <a16:creationId xmlns:a16="http://schemas.microsoft.com/office/drawing/2014/main" id="{D5418F93-9ED4-78D7-4DCF-8BA8A73BEB95}"/>
+                <a16:creationId xmlns:a16="http://schemas.microsoft.com/office/drawing/2014/main" id="{6B1FD273-B67C-11DC-62E1-0B56E4CC4A07}"/>
               </a:ext>
             </a:extLst>
           </p:cNvPr>
@@ -2902,7 +2902,7 @@
             </a:lvl1pPr>
           </a:lstStyle>
           <a:p>
-            <a:fld id="{5574E771-F5E9-44A1-BA10-5D46E8416EDE}" type="datetimeFigureOut">
+            <a:fld id="{C06F3775-B314-4E23-AEA2-2275C3A83E4C}" type="datetimeFigureOut">
               <a:rPr lang="zh-CN" altLang="en-US" smtClean="0"/>
               <a:t>2024/3/10</a:t>
             </a:fld>
@@ -2915,7 +2915,7 @@
           <p:cNvPr id="5" name="页脚占位符 4">
             <a:extLst>
               <a:ext uri="{FF2B5EF4-FFF2-40B4-BE49-F238E27FC236}">
-                <a16:creationId xmlns:a16="http://schemas.microsoft.com/office/drawing/2014/main" id="{28CE3665-A125-4DD3-4BBC-D09C9C2BC5BE}"/>
+                <a16:creationId xmlns:a16="http://schemas.microsoft.com/office/drawing/2014/main" id="{884C3EC7-0DD7-3772-1E26-9A53CD80053D}"/>
               </a:ext>
             </a:extLst>
           </p:cNvPr>
@@ -2958,7 +2958,7 @@
           <p:cNvPr id="6" name="灯片编号占位符 5">
             <a:extLst>
               <a:ext uri="{FF2B5EF4-FFF2-40B4-BE49-F238E27FC236}">
-                <a16:creationId xmlns:a16="http://schemas.microsoft.com/office/drawing/2014/main" id="{2B3DB9DA-2446-2B46-E5C8-BCBF618E9CE4}"/>
+                <a16:creationId xmlns:a16="http://schemas.microsoft.com/office/drawing/2014/main" id="{89A5CC94-7D2E-0A50-988D-44467EB280A3}"/>
               </a:ext>
             </a:extLst>
           </p:cNvPr>
@@ -2992,7 +2992,7 @@
             </a:lvl1pPr>
           </a:lstStyle>
           <a:p>
-            <a:fld id="{91070122-1CDF-413A-91E0-758FE5E4A1F3}" type="slidenum">
+            <a:fld id="{DD6471C8-4BCF-4A81-932F-3CDE449488C6}" type="slidenum">
               <a:rPr lang="zh-CN" altLang="en-US" smtClean="0"/>
               <a:t>‹#›</a:t>
             </a:fld>
@@ -3003,7 +3003,7 @@
     </p:spTree>
     <p:extLst>
       <p:ext uri="{BB962C8B-B14F-4D97-AF65-F5344CB8AC3E}">
-        <p14:creationId xmlns:p14="http://schemas.microsoft.com/office/powerpoint/2010/main" val="2546983835"/>
+        <p14:creationId xmlns:p14="http://schemas.microsoft.com/office/powerpoint/2010/main" val="2015076897"/>
       </p:ext>
     </p:extLst>
   </p:cSld>
@@ -3323,7 +3323,7 @@
       </p:grpSpPr>
       <p:pic>
         <p:nvPicPr>
-          <p:cNvPr id="814082" name="Picture 2" descr="794"/>
+          <p:cNvPr id="815106" name="Picture 2" descr="795"/>
           <p:cNvPicPr>
             <a:picLocks noChangeAspect="1" noChangeArrowheads="1"/>
           </p:cNvPicPr>
@@ -3375,158 +3375,11 @@
           </a:extLst>
         </p:spPr>
       </p:pic>
-      <p:pic>
-        <p:nvPicPr>
-          <p:cNvPr id="815107" name="Picture 3" descr="794-2"/>
-          <p:cNvPicPr>
-            <a:picLocks noChangeAspect="1" noChangeArrowheads="1"/>
-          </p:cNvPicPr>
-          <p:nvPr/>
-        </p:nvPicPr>
-        <p:blipFill>
-          <a:blip r:embed="rId3">
-            <a:extLst>
-              <a:ext uri="{28A0092B-C50C-407E-A947-70E740481C1C}">
-                <a14:useLocalDpi xmlns:a14="http://schemas.microsoft.com/office/drawing/2010/main" val="0"/>
-              </a:ext>
-            </a:extLst>
-          </a:blip>
-          <a:srcRect/>
-          <a:stretch>
-            <a:fillRect/>
-          </a:stretch>
-        </p:blipFill>
-        <p:spPr bwMode="auto">
-          <a:xfrm>
-            <a:off x="1524000" y="0"/>
-            <a:ext cx="9144000" cy="6858000"/>
-          </a:xfrm>
-          <a:prstGeom prst="rect">
-            <a:avLst/>
-          </a:prstGeom>
-          <a:noFill/>
-          <a:ln>
-            <a:noFill/>
-          </a:ln>
-          <a:effectLst/>
-          <a:extLst>
-            <a:ext uri="{909E8E84-426E-40DD-AFC4-6F175D3DCCD1}">
-              <a14:hiddenFill xmlns:a14="http://schemas.microsoft.com/office/drawing/2010/main">
-                <a:solidFill>
-                  <a:srgbClr val="FFFFFF"/>
-                </a:solidFill>
-              </a14:hiddenFill>
-            </a:ext>
-            <a:ext uri="{91240B29-F687-4F45-9708-019B960494DF}">
-              <a14:hiddenLine xmlns:a14="http://schemas.microsoft.com/office/drawing/2010/main" w="9525">
-                <a:solidFill>
-                  <a:srgbClr val="000000"/>
-                </a:solidFill>
-                <a:miter lim="800000"/>
-                <a:headEnd/>
-                <a:tailEnd/>
-              </a14:hiddenLine>
-            </a:ext>
-            <a:ext uri="{AF507438-7753-43E0-B8FC-AC1667EBCBE1}">
-              <a14:hiddenEffects xmlns:a14="http://schemas.microsoft.com/office/drawing/2010/main">
-                <a:effectLst>
-                  <a:outerShdw dist="35921" dir="2700000" algn="ctr" rotWithShape="0">
-                    <a:srgbClr val="808080"/>
-                  </a:outerShdw>
-                </a:effectLst>
-              </a14:hiddenEffects>
-            </a:ext>
-          </a:extLst>
-        </p:spPr>
-      </p:pic>
     </p:spTree>
   </p:cSld>
   <p:clrMapOvr>
     <a:masterClrMapping/>
   </p:clrMapOvr>
-  <p:timing>
-    <p:tnLst>
-      <p:par>
-        <p:cTn id="1" dur="indefinite" restart="never" nodeType="tmRoot">
-          <p:childTnLst>
-            <p:seq concurrent="1" nextAc="seek">
-              <p:cTn id="2" dur="indefinite" nodeType="mainSeq">
-                <p:childTnLst>
-                  <p:par>
-                    <p:cTn id="3" fill="hold" nodeType="clickPar">
-                      <p:stCondLst>
-                        <p:cond delay="indefinite"/>
-                      </p:stCondLst>
-                      <p:childTnLst>
-                        <p:par>
-                          <p:cTn id="4" fill="hold" nodeType="withGroup">
-                            <p:stCondLst>
-                              <p:cond delay="0"/>
-                            </p:stCondLst>
-                            <p:childTnLst>
-                              <p:par>
-                                <p:cTn id="5" presetID="10" presetClass="entr" presetSubtype="0" fill="hold" nodeType="clickEffect">
-                                  <p:stCondLst>
-                                    <p:cond delay="0"/>
-                                  </p:stCondLst>
-                                  <p:childTnLst>
-                                    <p:set>
-                                      <p:cBhvr>
-                                        <p:cTn id="6" dur="1" fill="hold">
-                                          <p:stCondLst>
-                                            <p:cond delay="0"/>
-                                          </p:stCondLst>
-                                        </p:cTn>
-                                        <p:tgtEl>
-                                          <p:spTgt spid="815107"/>
-                                        </p:tgtEl>
-                                        <p:attrNameLst>
-                                          <p:attrName>style.visibility</p:attrName>
-                                        </p:attrNameLst>
-                                      </p:cBhvr>
-                                      <p:to>
-                                        <p:strVal val="visible"/>
-                                      </p:to>
-                                    </p:set>
-                                    <p:animEffect transition="in" filter="fade">
-                                      <p:cBhvr>
-                                        <p:cTn id="7" dur="500"/>
-                                        <p:tgtEl>
-                                          <p:spTgt spid="815107"/>
-                                        </p:tgtEl>
-                                      </p:cBhvr>
-                                    </p:animEffect>
-                                  </p:childTnLst>
-                                </p:cTn>
-                              </p:par>
-                            </p:childTnLst>
-                          </p:cTn>
-                        </p:par>
-                      </p:childTnLst>
-                    </p:cTn>
-                  </p:par>
-                </p:childTnLst>
-              </p:cTn>
-              <p:prevCondLst>
-                <p:cond evt="onPrev" delay="0">
-                  <p:tgtEl>
-                    <p:sldTgt/>
-                  </p:tgtEl>
-                </p:cond>
-              </p:prevCondLst>
-              <p:nextCondLst>
-                <p:cond evt="onNext" delay="0">
-                  <p:tgtEl>
-                    <p:sldTgt/>
-                  </p:tgtEl>
-                </p:cond>
-              </p:nextCondLst>
-            </p:seq>
-          </p:childTnLst>
-        </p:cTn>
-      </p:par>
-    </p:tnLst>
-  </p:timing>
 </p:sld>
 </file>
 
